--- a/assets/python_overview.pptx
+++ b/assets/python_overview.pptx
@@ -266,7 +266,7 @@
           <a:p>
             <a:fld id="{8FC7859C-EBC4-4B3C-82EB-3B2852FCB98A}" type="datetimeFigureOut">
               <a:rPr lang="en-US" smtClean="0"/>
-              <a:t>4/29/2024</a:t>
+              <a:t>5/2/2024</a:t>
             </a:fld>
             <a:endParaRPr lang="en-US"/>
           </a:p>
@@ -466,7 +466,7 @@
           <a:p>
             <a:fld id="{8FC7859C-EBC4-4B3C-82EB-3B2852FCB98A}" type="datetimeFigureOut">
               <a:rPr lang="en-US" smtClean="0"/>
-              <a:t>4/29/2024</a:t>
+              <a:t>5/2/2024</a:t>
             </a:fld>
             <a:endParaRPr lang="en-US"/>
           </a:p>
@@ -676,7 +676,7 @@
           <a:p>
             <a:fld id="{8FC7859C-EBC4-4B3C-82EB-3B2852FCB98A}" type="datetimeFigureOut">
               <a:rPr lang="en-US" smtClean="0"/>
-              <a:t>4/29/2024</a:t>
+              <a:t>5/2/2024</a:t>
             </a:fld>
             <a:endParaRPr lang="en-US"/>
           </a:p>
@@ -876,7 +876,7 @@
           <a:p>
             <a:fld id="{8FC7859C-EBC4-4B3C-82EB-3B2852FCB98A}" type="datetimeFigureOut">
               <a:rPr lang="en-US" smtClean="0"/>
-              <a:t>4/29/2024</a:t>
+              <a:t>5/2/2024</a:t>
             </a:fld>
             <a:endParaRPr lang="en-US"/>
           </a:p>
@@ -1152,7 +1152,7 @@
           <a:p>
             <a:fld id="{8FC7859C-EBC4-4B3C-82EB-3B2852FCB98A}" type="datetimeFigureOut">
               <a:rPr lang="en-US" smtClean="0"/>
-              <a:t>4/29/2024</a:t>
+              <a:t>5/2/2024</a:t>
             </a:fld>
             <a:endParaRPr lang="en-US"/>
           </a:p>
@@ -1420,7 +1420,7 @@
           <a:p>
             <a:fld id="{8FC7859C-EBC4-4B3C-82EB-3B2852FCB98A}" type="datetimeFigureOut">
               <a:rPr lang="en-US" smtClean="0"/>
-              <a:t>4/29/2024</a:t>
+              <a:t>5/2/2024</a:t>
             </a:fld>
             <a:endParaRPr lang="en-US"/>
           </a:p>
@@ -1835,7 +1835,7 @@
           <a:p>
             <a:fld id="{8FC7859C-EBC4-4B3C-82EB-3B2852FCB98A}" type="datetimeFigureOut">
               <a:rPr lang="en-US" smtClean="0"/>
-              <a:t>4/29/2024</a:t>
+              <a:t>5/2/2024</a:t>
             </a:fld>
             <a:endParaRPr lang="en-US"/>
           </a:p>
@@ -1977,7 +1977,7 @@
           <a:p>
             <a:fld id="{8FC7859C-EBC4-4B3C-82EB-3B2852FCB98A}" type="datetimeFigureOut">
               <a:rPr lang="en-US" smtClean="0"/>
-              <a:t>4/29/2024</a:t>
+              <a:t>5/2/2024</a:t>
             </a:fld>
             <a:endParaRPr lang="en-US"/>
           </a:p>
@@ -2090,7 +2090,7 @@
           <a:p>
             <a:fld id="{8FC7859C-EBC4-4B3C-82EB-3B2852FCB98A}" type="datetimeFigureOut">
               <a:rPr lang="en-US" smtClean="0"/>
-              <a:t>4/29/2024</a:t>
+              <a:t>5/2/2024</a:t>
             </a:fld>
             <a:endParaRPr lang="en-US"/>
           </a:p>
@@ -2403,7 +2403,7 @@
           <a:p>
             <a:fld id="{8FC7859C-EBC4-4B3C-82EB-3B2852FCB98A}" type="datetimeFigureOut">
               <a:rPr lang="en-US" smtClean="0"/>
-              <a:t>4/29/2024</a:t>
+              <a:t>5/2/2024</a:t>
             </a:fld>
             <a:endParaRPr lang="en-US"/>
           </a:p>
@@ -2692,7 +2692,7 @@
           <a:p>
             <a:fld id="{8FC7859C-EBC4-4B3C-82EB-3B2852FCB98A}" type="datetimeFigureOut">
               <a:rPr lang="en-US" smtClean="0"/>
-              <a:t>4/29/2024</a:t>
+              <a:t>5/2/2024</a:t>
             </a:fld>
             <a:endParaRPr lang="en-US"/>
           </a:p>
@@ -2935,7 +2935,7 @@
           <a:p>
             <a:fld id="{8FC7859C-EBC4-4B3C-82EB-3B2852FCB98A}" type="datetimeFigureOut">
               <a:rPr lang="en-US" smtClean="0"/>
-              <a:t>4/29/2024</a:t>
+              <a:t>5/2/2024</a:t>
             </a:fld>
             <a:endParaRPr lang="en-US"/>
           </a:p>
@@ -3438,7 +3438,7 @@
           <a:lstStyle/>
           <a:p>
             <a:pPr algn="ctr"/>
-            <a:endParaRPr lang="en-US" sz="1200"/>
+            <a:endParaRPr lang="en-US" sz="1600"/>
           </a:p>
         </p:txBody>
       </p:sp>
@@ -3492,8 +3492,8 @@
         </p:nvSpPr>
         <p:spPr>
           <a:xfrm>
-            <a:off x="1053040" y="1440154"/>
-            <a:ext cx="1869066" cy="523220"/>
+            <a:off x="784480" y="1440154"/>
+            <a:ext cx="2137626" cy="584775"/>
           </a:xfrm>
           <a:prstGeom prst="rect">
             <a:avLst/>
@@ -3508,7 +3508,7 @@
           <a:p>
             <a:pPr algn="ctr"/>
             <a:r>
-              <a:rPr lang="en-US" sz="1400" b="1" dirty="0">
+              <a:rPr lang="en-US" sz="1600" b="1" dirty="0">
                 <a:solidFill>
                   <a:srgbClr val="92D050"/>
                 </a:solidFill>
@@ -3533,7 +3533,7 @@
         <p:spPr>
           <a:xfrm>
             <a:off x="3714694" y="3145039"/>
-            <a:ext cx="2106705" cy="523220"/>
+            <a:ext cx="2411498" cy="584775"/>
           </a:xfrm>
           <a:prstGeom prst="rect">
             <a:avLst/>
@@ -3548,7 +3548,7 @@
           <a:p>
             <a:pPr algn="ctr"/>
             <a:r>
-              <a:rPr lang="en-US" sz="1400" b="1" dirty="0">
+              <a:rPr lang="en-US" sz="1600" b="1" dirty="0">
                 <a:solidFill>
                   <a:srgbClr val="00B0F0"/>
                 </a:solidFill>
@@ -3655,7 +3655,7 @@
         <p:spPr>
           <a:xfrm>
             <a:off x="5809277" y="4934043"/>
-            <a:ext cx="1992088" cy="523220"/>
+            <a:ext cx="1992088" cy="584775"/>
           </a:xfrm>
           <a:prstGeom prst="rect">
             <a:avLst/>
@@ -3670,7 +3670,7 @@
           <a:p>
             <a:pPr algn="ctr"/>
             <a:r>
-              <a:rPr lang="en-US" sz="1400" b="1" dirty="0">
+              <a:rPr lang="en-US" sz="1600" b="1" dirty="0">
                 <a:solidFill>
                   <a:schemeClr val="accent5"/>
                 </a:solidFill>
@@ -3694,8 +3694,8 @@
         </p:nvSpPr>
         <p:spPr>
           <a:xfrm>
-            <a:off x="4778017" y="1382630"/>
-            <a:ext cx="2164632" cy="523220"/>
+            <a:off x="4379499" y="1382630"/>
+            <a:ext cx="2563150" cy="584775"/>
           </a:xfrm>
           <a:prstGeom prst="rect">
             <a:avLst/>
@@ -3710,7 +3710,7 @@
           <a:p>
             <a:pPr algn="ctr"/>
             <a:r>
-              <a:rPr lang="en-US" sz="1400" b="1" dirty="0">
+              <a:rPr lang="en-US" sz="1600" b="1" dirty="0">
                 <a:solidFill>
                   <a:srgbClr val="FF33CC"/>
                 </a:solidFill>
@@ -3734,8 +3734,8 @@
         </p:nvSpPr>
         <p:spPr>
           <a:xfrm>
-            <a:off x="8238542" y="1910269"/>
-            <a:ext cx="1974882" cy="523220"/>
+            <a:off x="8028660" y="1910269"/>
+            <a:ext cx="2184764" cy="584775"/>
           </a:xfrm>
           <a:prstGeom prst="rect">
             <a:avLst/>
@@ -3750,7 +3750,7 @@
           <a:p>
             <a:pPr algn="ctr"/>
             <a:r>
-              <a:rPr lang="en-US" sz="1400" b="1" dirty="0">
+              <a:rPr lang="en-US" sz="1600" b="1" dirty="0">
                 <a:solidFill>
                   <a:srgbClr val="00CC99"/>
                 </a:solidFill>
@@ -4359,8 +4359,8 @@
         </p:nvSpPr>
         <p:spPr>
           <a:xfrm>
-            <a:off x="6663602" y="3184379"/>
-            <a:ext cx="2107728" cy="523220"/>
+            <a:off x="6358029" y="3184379"/>
+            <a:ext cx="2413301" cy="584775"/>
           </a:xfrm>
           <a:prstGeom prst="rect">
             <a:avLst/>
@@ -4375,7 +4375,7 @@
           <a:p>
             <a:pPr algn="ctr"/>
             <a:r>
-              <a:rPr lang="en-US" sz="1400" b="1" dirty="0">
+              <a:rPr lang="en-US" sz="1600" b="1" dirty="0">
                 <a:solidFill>
                   <a:schemeClr val="accent2"/>
                 </a:solidFill>
@@ -4501,7 +4501,7 @@
           <a:lstStyle/>
           <a:p>
             <a:pPr algn="ctr"/>
-            <a:endParaRPr lang="en-US" sz="1200"/>
+            <a:endParaRPr lang="en-US" sz="1600"/>
           </a:p>
         </p:txBody>
       </p:sp>
@@ -4555,8 +4555,8 @@
         </p:nvSpPr>
         <p:spPr>
           <a:xfrm>
-            <a:off x="1053040" y="1440154"/>
-            <a:ext cx="1869066" cy="523220"/>
+            <a:off x="704088" y="1440154"/>
+            <a:ext cx="2218018" cy="584775"/>
           </a:xfrm>
           <a:prstGeom prst="rect">
             <a:avLst/>
@@ -4571,7 +4571,7 @@
           <a:p>
             <a:pPr algn="ctr"/>
             <a:r>
-              <a:rPr lang="en-US" sz="1400" b="1" dirty="0">
+              <a:rPr lang="en-US" sz="1600" b="1" dirty="0">
                 <a:solidFill>
                   <a:srgbClr val="92D050"/>
                 </a:solidFill>
@@ -4596,7 +4596,7 @@
         <p:spPr>
           <a:xfrm>
             <a:off x="3714694" y="3145039"/>
-            <a:ext cx="2106705" cy="523220"/>
+            <a:ext cx="2411498" cy="584775"/>
           </a:xfrm>
           <a:prstGeom prst="rect">
             <a:avLst/>
@@ -4611,7 +4611,7 @@
           <a:p>
             <a:pPr algn="ctr"/>
             <a:r>
-              <a:rPr lang="en-US" sz="1400" b="1" dirty="0">
+              <a:rPr lang="en-US" sz="1600" b="1" dirty="0">
                 <a:solidFill>
                   <a:srgbClr val="00B0F0"/>
                 </a:solidFill>
@@ -4718,7 +4718,7 @@
         <p:spPr>
           <a:xfrm>
             <a:off x="5809277" y="4934043"/>
-            <a:ext cx="1992088" cy="523220"/>
+            <a:ext cx="1992088" cy="584775"/>
           </a:xfrm>
           <a:prstGeom prst="rect">
             <a:avLst/>
@@ -4733,7 +4733,7 @@
           <a:p>
             <a:pPr algn="ctr"/>
             <a:r>
-              <a:rPr lang="en-US" sz="1400" b="1" dirty="0">
+              <a:rPr lang="en-US" sz="1600" b="1" dirty="0">
                 <a:solidFill>
                   <a:schemeClr val="accent5"/>
                 </a:solidFill>
@@ -4757,8 +4757,8 @@
         </p:nvSpPr>
         <p:spPr>
           <a:xfrm>
-            <a:off x="4778017" y="1382630"/>
-            <a:ext cx="2164632" cy="523220"/>
+            <a:off x="4384543" y="1382630"/>
+            <a:ext cx="2558106" cy="584775"/>
           </a:xfrm>
           <a:prstGeom prst="rect">
             <a:avLst/>
@@ -4773,7 +4773,7 @@
           <a:p>
             <a:pPr algn="ctr"/>
             <a:r>
-              <a:rPr lang="en-US" sz="1400" b="1" dirty="0">
+              <a:rPr lang="en-US" sz="1600" b="1" dirty="0">
                 <a:solidFill>
                   <a:srgbClr val="FF33CC"/>
                 </a:solidFill>
@@ -4797,8 +4797,8 @@
         </p:nvSpPr>
         <p:spPr>
           <a:xfrm>
-            <a:off x="8238542" y="1910269"/>
-            <a:ext cx="1974882" cy="523220"/>
+            <a:off x="7959916" y="1910269"/>
+            <a:ext cx="2253508" cy="584775"/>
           </a:xfrm>
           <a:prstGeom prst="rect">
             <a:avLst/>
@@ -4813,10 +4813,10 @@
           <a:p>
             <a:pPr algn="ctr"/>
             <a:r>
-              <a:rPr lang="en-US" sz="1400" b="1" dirty="0">
+              <a:rPr lang="en-US" sz="1600" b="1" dirty="0">
                 <a:solidFill>
                   <a:schemeClr val="bg2">
-                    <a:lumMod val="75000"/>
+                    <a:lumMod val="50000"/>
                   </a:schemeClr>
                 </a:solidFill>
               </a:rPr>
@@ -5424,8 +5424,8 @@
         </p:nvSpPr>
         <p:spPr>
           <a:xfrm>
-            <a:off x="6663602" y="3184379"/>
-            <a:ext cx="2107728" cy="523220"/>
+            <a:off x="6358029" y="3184379"/>
+            <a:ext cx="2413301" cy="584775"/>
           </a:xfrm>
           <a:prstGeom prst="rect">
             <a:avLst/>
@@ -5440,7 +5440,7 @@
           <a:p>
             <a:pPr algn="ctr"/>
             <a:r>
-              <a:rPr lang="en-US" sz="1400" b="1" dirty="0">
+              <a:rPr lang="en-US" sz="1600" b="1" dirty="0">
                 <a:solidFill>
                   <a:schemeClr val="accent2"/>
                 </a:solidFill>
@@ -5566,7 +5566,7 @@
           <a:lstStyle/>
           <a:p>
             <a:pPr algn="ctr"/>
-            <a:endParaRPr lang="en-US" sz="1200"/>
+            <a:endParaRPr lang="en-US" sz="1600"/>
           </a:p>
         </p:txBody>
       </p:sp>
@@ -5620,8 +5620,8 @@
         </p:nvSpPr>
         <p:spPr>
           <a:xfrm>
-            <a:off x="1053040" y="1440154"/>
-            <a:ext cx="1869066" cy="523220"/>
+            <a:off x="784480" y="1440154"/>
+            <a:ext cx="2137626" cy="584775"/>
           </a:xfrm>
           <a:prstGeom prst="rect">
             <a:avLst/>
@@ -5636,7 +5636,7 @@
           <a:p>
             <a:pPr algn="ctr"/>
             <a:r>
-              <a:rPr lang="en-US" sz="1400" b="1" dirty="0">
+              <a:rPr lang="en-US" sz="1600" b="1" dirty="0">
                 <a:solidFill>
                   <a:srgbClr val="92D050"/>
                 </a:solidFill>
@@ -5661,7 +5661,7 @@
         <p:spPr>
           <a:xfrm>
             <a:off x="3714694" y="3145039"/>
-            <a:ext cx="2106705" cy="523220"/>
+            <a:ext cx="2429820" cy="584775"/>
           </a:xfrm>
           <a:prstGeom prst="rect">
             <a:avLst/>
@@ -5676,7 +5676,7 @@
           <a:p>
             <a:pPr algn="ctr"/>
             <a:r>
-              <a:rPr lang="en-US" sz="1400" b="1" dirty="0">
+              <a:rPr lang="en-US" sz="1600" b="1" dirty="0">
                 <a:solidFill>
                   <a:srgbClr val="00B0F0"/>
                 </a:solidFill>
@@ -5783,7 +5783,7 @@
         <p:spPr>
           <a:xfrm>
             <a:off x="5809277" y="4934043"/>
-            <a:ext cx="1992088" cy="523220"/>
+            <a:ext cx="1992088" cy="584775"/>
           </a:xfrm>
           <a:prstGeom prst="rect">
             <a:avLst/>
@@ -5798,7 +5798,7 @@
           <a:p>
             <a:pPr algn="ctr"/>
             <a:r>
-              <a:rPr lang="en-US" sz="1400" b="1" dirty="0">
+              <a:rPr lang="en-US" sz="1600" b="1" dirty="0">
                 <a:solidFill>
                   <a:schemeClr val="accent5"/>
                 </a:solidFill>
@@ -5822,8 +5822,8 @@
         </p:nvSpPr>
         <p:spPr>
           <a:xfrm>
-            <a:off x="4778017" y="1382630"/>
-            <a:ext cx="2164632" cy="523220"/>
+            <a:off x="4512829" y="1382630"/>
+            <a:ext cx="2429820" cy="584775"/>
           </a:xfrm>
           <a:prstGeom prst="rect">
             <a:avLst/>
@@ -5838,10 +5838,10 @@
           <a:p>
             <a:pPr algn="ctr"/>
             <a:r>
-              <a:rPr lang="en-US" sz="1400" b="1" dirty="0">
+              <a:rPr lang="en-US" sz="1600" b="1" dirty="0">
                 <a:solidFill>
                   <a:schemeClr val="bg2">
-                    <a:lumMod val="75000"/>
+                    <a:lumMod val="50000"/>
                   </a:schemeClr>
                 </a:solidFill>
               </a:rPr>
@@ -5864,8 +5864,8 @@
         </p:nvSpPr>
         <p:spPr>
           <a:xfrm>
-            <a:off x="8238542" y="1910269"/>
-            <a:ext cx="1974882" cy="523220"/>
+            <a:off x="8028660" y="1910269"/>
+            <a:ext cx="2184764" cy="584775"/>
           </a:xfrm>
           <a:prstGeom prst="rect">
             <a:avLst/>
@@ -5880,10 +5880,10 @@
           <a:p>
             <a:pPr algn="ctr"/>
             <a:r>
-              <a:rPr lang="en-US" sz="1400" b="1" dirty="0">
+              <a:rPr lang="en-US" sz="1600" b="1" dirty="0">
                 <a:solidFill>
                   <a:schemeClr val="bg2">
-                    <a:lumMod val="75000"/>
+                    <a:lumMod val="50000"/>
                   </a:schemeClr>
                 </a:solidFill>
               </a:rPr>
@@ -6491,8 +6491,8 @@
         </p:nvSpPr>
         <p:spPr>
           <a:xfrm>
-            <a:off x="6663602" y="3184379"/>
-            <a:ext cx="2107728" cy="523220"/>
+            <a:off x="6376351" y="3184379"/>
+            <a:ext cx="2394979" cy="584775"/>
           </a:xfrm>
           <a:prstGeom prst="rect">
             <a:avLst/>
@@ -6507,7 +6507,7 @@
           <a:p>
             <a:pPr algn="ctr"/>
             <a:r>
-              <a:rPr lang="en-US" sz="1400" b="1" dirty="0">
+              <a:rPr lang="en-US" sz="1600" b="1" dirty="0">
                 <a:solidFill>
                   <a:schemeClr val="accent2"/>
                 </a:solidFill>
@@ -6633,7 +6633,7 @@
           <a:lstStyle/>
           <a:p>
             <a:pPr algn="ctr"/>
-            <a:endParaRPr lang="en-US" sz="1200"/>
+            <a:endParaRPr lang="en-US" sz="1600"/>
           </a:p>
         </p:txBody>
       </p:sp>
@@ -6687,8 +6687,8 @@
         </p:nvSpPr>
         <p:spPr>
           <a:xfrm>
-            <a:off x="1053040" y="1440154"/>
-            <a:ext cx="1869066" cy="523220"/>
+            <a:off x="713232" y="1440154"/>
+            <a:ext cx="2208874" cy="584775"/>
           </a:xfrm>
           <a:prstGeom prst="rect">
             <a:avLst/>
@@ -6703,7 +6703,7 @@
           <a:p>
             <a:pPr algn="ctr"/>
             <a:r>
-              <a:rPr lang="en-US" sz="1400" b="1" dirty="0">
+              <a:rPr lang="en-US" sz="1600" b="1" dirty="0">
                 <a:solidFill>
                   <a:srgbClr val="92D050"/>
                 </a:solidFill>
@@ -6728,7 +6728,7 @@
         <p:spPr>
           <a:xfrm>
             <a:off x="3714694" y="3145039"/>
-            <a:ext cx="2106705" cy="523220"/>
+            <a:ext cx="2374809" cy="584775"/>
           </a:xfrm>
           <a:prstGeom prst="rect">
             <a:avLst/>
@@ -6743,7 +6743,7 @@
           <a:p>
             <a:pPr algn="ctr"/>
             <a:r>
-              <a:rPr lang="en-US" sz="1400" b="1" dirty="0">
+              <a:rPr lang="en-US" sz="1600" b="1" dirty="0">
                 <a:solidFill>
                   <a:srgbClr val="00B0F0"/>
                 </a:solidFill>
@@ -6850,7 +6850,7 @@
         <p:spPr>
           <a:xfrm>
             <a:off x="5809277" y="4934043"/>
-            <a:ext cx="1992088" cy="523220"/>
+            <a:ext cx="1992088" cy="584775"/>
           </a:xfrm>
           <a:prstGeom prst="rect">
             <a:avLst/>
@@ -6865,7 +6865,7 @@
           <a:p>
             <a:pPr algn="ctr"/>
             <a:r>
-              <a:rPr lang="en-US" sz="1400" b="1" dirty="0">
+              <a:rPr lang="en-US" sz="1600" b="1" dirty="0">
                 <a:solidFill>
                   <a:schemeClr val="accent5"/>
                 </a:solidFill>
@@ -6889,8 +6889,8 @@
         </p:nvSpPr>
         <p:spPr>
           <a:xfrm>
-            <a:off x="4778017" y="1382630"/>
-            <a:ext cx="2164632" cy="523220"/>
+            <a:off x="4512829" y="1382630"/>
+            <a:ext cx="2429820" cy="584775"/>
           </a:xfrm>
           <a:prstGeom prst="rect">
             <a:avLst/>
@@ -6905,10 +6905,10 @@
           <a:p>
             <a:pPr algn="ctr"/>
             <a:r>
-              <a:rPr lang="en-US" sz="1400" b="1" dirty="0">
+              <a:rPr lang="en-US" sz="1600" b="1" dirty="0">
                 <a:solidFill>
                   <a:schemeClr val="bg2">
-                    <a:lumMod val="75000"/>
+                    <a:lumMod val="50000"/>
                   </a:schemeClr>
                 </a:solidFill>
               </a:rPr>
@@ -6931,8 +6931,8 @@
         </p:nvSpPr>
         <p:spPr>
           <a:xfrm>
-            <a:off x="8238542" y="1910269"/>
-            <a:ext cx="1974882" cy="523220"/>
+            <a:off x="7959916" y="1910269"/>
+            <a:ext cx="2253508" cy="584775"/>
           </a:xfrm>
           <a:prstGeom prst="rect">
             <a:avLst/>
@@ -6947,10 +6947,10 @@
           <a:p>
             <a:pPr algn="ctr"/>
             <a:r>
-              <a:rPr lang="en-US" sz="1400" b="1" dirty="0">
+              <a:rPr lang="en-US" sz="1600" b="1" dirty="0">
                 <a:solidFill>
                   <a:schemeClr val="bg2">
-                    <a:lumMod val="75000"/>
+                    <a:lumMod val="50000"/>
                   </a:schemeClr>
                 </a:solidFill>
               </a:rPr>
@@ -7558,8 +7558,8 @@
         </p:nvSpPr>
         <p:spPr>
           <a:xfrm>
-            <a:off x="6663602" y="3184379"/>
-            <a:ext cx="2107728" cy="523220"/>
+            <a:off x="6370603" y="3184379"/>
+            <a:ext cx="2400727" cy="584775"/>
           </a:xfrm>
           <a:prstGeom prst="rect">
             <a:avLst/>
@@ -7574,10 +7574,10 @@
           <a:p>
             <a:pPr algn="ctr"/>
             <a:r>
-              <a:rPr lang="en-US" sz="1400" b="1" dirty="0">
+              <a:rPr lang="en-US" sz="1600" b="1" dirty="0">
                 <a:solidFill>
                   <a:schemeClr val="bg2">
-                    <a:lumMod val="75000"/>
+                    <a:lumMod val="50000"/>
                   </a:schemeClr>
                 </a:solidFill>
               </a:rPr>
@@ -7702,7 +7702,7 @@
           <a:lstStyle/>
           <a:p>
             <a:pPr algn="ctr"/>
-            <a:endParaRPr lang="en-US" sz="1200"/>
+            <a:endParaRPr lang="en-US" sz="1600"/>
           </a:p>
         </p:txBody>
       </p:sp>
@@ -7756,8 +7756,8 @@
         </p:nvSpPr>
         <p:spPr>
           <a:xfrm>
-            <a:off x="1053040" y="1440154"/>
-            <a:ext cx="1869066" cy="523220"/>
+            <a:off x="784480" y="1440154"/>
+            <a:ext cx="2137626" cy="584775"/>
           </a:xfrm>
           <a:prstGeom prst="rect">
             <a:avLst/>
@@ -7772,7 +7772,7 @@
           <a:p>
             <a:pPr algn="ctr"/>
             <a:r>
-              <a:rPr lang="en-US" sz="1400" b="1" dirty="0">
+              <a:rPr lang="en-US" sz="1600" b="1" dirty="0">
                 <a:solidFill>
                   <a:srgbClr val="92D050"/>
                 </a:solidFill>
@@ -7796,8 +7796,8 @@
         </p:nvSpPr>
         <p:spPr>
           <a:xfrm>
-            <a:off x="3714694" y="3145039"/>
-            <a:ext cx="2106705" cy="523220"/>
+            <a:off x="3639312" y="3145039"/>
+            <a:ext cx="2450191" cy="584775"/>
           </a:xfrm>
           <a:prstGeom prst="rect">
             <a:avLst/>
@@ -7812,7 +7812,7 @@
           <a:p>
             <a:pPr algn="ctr"/>
             <a:r>
-              <a:rPr lang="en-US" sz="1400" b="1" dirty="0">
+              <a:rPr lang="en-US" sz="1600" b="1" dirty="0">
                 <a:solidFill>
                   <a:srgbClr val="00B0F0"/>
                 </a:solidFill>
@@ -7847,7 +7847,7 @@
           <a:ln>
             <a:solidFill>
               <a:schemeClr val="bg2">
-                <a:lumMod val="75000"/>
+                <a:lumMod val="50000"/>
               </a:schemeClr>
             </a:solidFill>
             <a:tailEnd type="triangle"/>
@@ -7893,7 +7893,7 @@
           <a:ln>
             <a:solidFill>
               <a:schemeClr val="bg2">
-                <a:lumMod val="75000"/>
+                <a:lumMod val="50000"/>
               </a:schemeClr>
             </a:solidFill>
             <a:tailEnd type="triangle"/>
@@ -7929,7 +7929,7 @@
         <p:spPr>
           <a:xfrm>
             <a:off x="5809277" y="4934043"/>
-            <a:ext cx="1992088" cy="523220"/>
+            <a:ext cx="1992088" cy="584775"/>
           </a:xfrm>
           <a:prstGeom prst="rect">
             <a:avLst/>
@@ -7944,10 +7944,10 @@
           <a:p>
             <a:pPr algn="ctr"/>
             <a:r>
-              <a:rPr lang="en-US" sz="1400" b="1" dirty="0">
+              <a:rPr lang="en-US" sz="1600" b="1" dirty="0">
                 <a:solidFill>
                   <a:schemeClr val="bg2">
-                    <a:lumMod val="75000"/>
+                    <a:lumMod val="50000"/>
                   </a:schemeClr>
                 </a:solidFill>
               </a:rPr>
@@ -7970,8 +7970,8 @@
         </p:nvSpPr>
         <p:spPr>
           <a:xfrm>
-            <a:off x="4778017" y="1382630"/>
-            <a:ext cx="2164632" cy="523220"/>
+            <a:off x="4379499" y="1382630"/>
+            <a:ext cx="2563150" cy="584775"/>
           </a:xfrm>
           <a:prstGeom prst="rect">
             <a:avLst/>
@@ -7986,10 +7986,10 @@
           <a:p>
             <a:pPr algn="ctr"/>
             <a:r>
-              <a:rPr lang="en-US" sz="1400" b="1" dirty="0">
+              <a:rPr lang="en-US" sz="1600" b="1" dirty="0">
                 <a:solidFill>
                   <a:schemeClr val="bg2">
-                    <a:lumMod val="75000"/>
+                    <a:lumMod val="50000"/>
                   </a:schemeClr>
                 </a:solidFill>
               </a:rPr>
@@ -8012,8 +8012,8 @@
         </p:nvSpPr>
         <p:spPr>
           <a:xfrm>
-            <a:off x="8238542" y="1910269"/>
-            <a:ext cx="1974882" cy="523220"/>
+            <a:off x="7959916" y="1910269"/>
+            <a:ext cx="2253508" cy="584775"/>
           </a:xfrm>
           <a:prstGeom prst="rect">
             <a:avLst/>
@@ -8028,10 +8028,10 @@
           <a:p>
             <a:pPr algn="ctr"/>
             <a:r>
-              <a:rPr lang="en-US" sz="1400" b="1" dirty="0">
+              <a:rPr lang="en-US" sz="1600" b="1" dirty="0">
                 <a:solidFill>
                   <a:schemeClr val="bg2">
-                    <a:lumMod val="75000"/>
+                    <a:lumMod val="50000"/>
                   </a:schemeClr>
                 </a:solidFill>
               </a:rPr>
@@ -8639,8 +8639,8 @@
         </p:nvSpPr>
         <p:spPr>
           <a:xfrm>
-            <a:off x="6663602" y="3184379"/>
-            <a:ext cx="2107728" cy="523220"/>
+            <a:off x="6320467" y="3184379"/>
+            <a:ext cx="2450863" cy="584775"/>
           </a:xfrm>
           <a:prstGeom prst="rect">
             <a:avLst/>
@@ -8655,10 +8655,10 @@
           <a:p>
             <a:pPr algn="ctr"/>
             <a:r>
-              <a:rPr lang="en-US" sz="1400" b="1" dirty="0">
+              <a:rPr lang="en-US" sz="1600" b="1" dirty="0">
                 <a:solidFill>
                   <a:schemeClr val="bg2">
-                    <a:lumMod val="75000"/>
+                    <a:lumMod val="50000"/>
                   </a:schemeClr>
                 </a:solidFill>
               </a:rPr>
@@ -8837,8 +8837,8 @@
         </p:nvSpPr>
         <p:spPr>
           <a:xfrm>
-            <a:off x="1053040" y="1440154"/>
-            <a:ext cx="1869066" cy="523220"/>
+            <a:off x="784480" y="1440154"/>
+            <a:ext cx="2137626" cy="584775"/>
           </a:xfrm>
           <a:prstGeom prst="rect">
             <a:avLst/>
@@ -8853,7 +8853,7 @@
           <a:p>
             <a:pPr algn="ctr"/>
             <a:r>
-              <a:rPr lang="en-US" sz="1400" b="1" dirty="0">
+              <a:rPr lang="en-US" sz="1600" b="1" dirty="0">
                 <a:solidFill>
                   <a:srgbClr val="92D050"/>
                 </a:solidFill>
@@ -8877,8 +8877,8 @@
         </p:nvSpPr>
         <p:spPr>
           <a:xfrm>
-            <a:off x="3714694" y="3145039"/>
-            <a:ext cx="2106705" cy="523220"/>
+            <a:off x="3656768" y="3145039"/>
+            <a:ext cx="2432735" cy="584775"/>
           </a:xfrm>
           <a:prstGeom prst="rect">
             <a:avLst/>
@@ -8893,10 +8893,10 @@
           <a:p>
             <a:pPr algn="ctr"/>
             <a:r>
-              <a:rPr lang="en-US" sz="1400" b="1" dirty="0">
+              <a:rPr lang="en-US" sz="1600" b="1" dirty="0">
                 <a:solidFill>
                   <a:schemeClr val="bg2">
-                    <a:lumMod val="75000"/>
+                    <a:lumMod val="50000"/>
                   </a:schemeClr>
                 </a:solidFill>
               </a:rPr>
@@ -8930,7 +8930,7 @@
           <a:ln>
             <a:solidFill>
               <a:schemeClr val="bg2">
-                <a:lumMod val="75000"/>
+                <a:lumMod val="50000"/>
               </a:schemeClr>
             </a:solidFill>
             <a:tailEnd type="triangle"/>
@@ -8976,7 +8976,7 @@
           <a:ln>
             <a:solidFill>
               <a:schemeClr val="bg2">
-                <a:lumMod val="75000"/>
+                <a:lumMod val="50000"/>
               </a:schemeClr>
             </a:solidFill>
             <a:tailEnd type="triangle"/>
@@ -9012,7 +9012,7 @@
         <p:spPr>
           <a:xfrm>
             <a:off x="5809277" y="4934043"/>
-            <a:ext cx="1992088" cy="523220"/>
+            <a:ext cx="1992088" cy="584775"/>
           </a:xfrm>
           <a:prstGeom prst="rect">
             <a:avLst/>
@@ -9027,10 +9027,10 @@
           <a:p>
             <a:pPr algn="ctr"/>
             <a:r>
-              <a:rPr lang="en-US" sz="1400" b="1" dirty="0">
+              <a:rPr lang="en-US" sz="1600" b="1" dirty="0">
                 <a:solidFill>
                   <a:schemeClr val="bg2">
-                    <a:lumMod val="75000"/>
+                    <a:lumMod val="50000"/>
                   </a:schemeClr>
                 </a:solidFill>
               </a:rPr>
@@ -9053,8 +9053,8 @@
         </p:nvSpPr>
         <p:spPr>
           <a:xfrm>
-            <a:off x="4778017" y="1382630"/>
-            <a:ext cx="2164632" cy="523220"/>
+            <a:off x="4590288" y="1382630"/>
+            <a:ext cx="2352361" cy="584775"/>
           </a:xfrm>
           <a:prstGeom prst="rect">
             <a:avLst/>
@@ -9069,10 +9069,10 @@
           <a:p>
             <a:pPr algn="ctr"/>
             <a:r>
-              <a:rPr lang="en-US" sz="1400" b="1" dirty="0">
+              <a:rPr lang="en-US" sz="1600" b="1" dirty="0">
                 <a:solidFill>
                   <a:schemeClr val="bg2">
-                    <a:lumMod val="75000"/>
+                    <a:lumMod val="50000"/>
                   </a:schemeClr>
                 </a:solidFill>
               </a:rPr>
@@ -9095,8 +9095,8 @@
         </p:nvSpPr>
         <p:spPr>
           <a:xfrm>
-            <a:off x="8238542" y="1910269"/>
-            <a:ext cx="1974882" cy="523220"/>
+            <a:off x="8028660" y="1910269"/>
+            <a:ext cx="2184764" cy="584775"/>
           </a:xfrm>
           <a:prstGeom prst="rect">
             <a:avLst/>
@@ -9111,10 +9111,10 @@
           <a:p>
             <a:pPr algn="ctr"/>
             <a:r>
-              <a:rPr lang="en-US" sz="1400" b="1" dirty="0">
+              <a:rPr lang="en-US" sz="1600" b="1" dirty="0">
                 <a:solidFill>
                   <a:schemeClr val="bg2">
-                    <a:lumMod val="75000"/>
+                    <a:lumMod val="50000"/>
                   </a:schemeClr>
                 </a:solidFill>
               </a:rPr>
@@ -9722,8 +9722,8 @@
         </p:nvSpPr>
         <p:spPr>
           <a:xfrm>
-            <a:off x="6663602" y="3184379"/>
-            <a:ext cx="2107728" cy="523220"/>
+            <a:off x="6488454" y="3184379"/>
+            <a:ext cx="2282876" cy="584775"/>
           </a:xfrm>
           <a:prstGeom prst="rect">
             <a:avLst/>
@@ -9738,10 +9738,10 @@
           <a:p>
             <a:pPr algn="ctr"/>
             <a:r>
-              <a:rPr lang="en-US" sz="1400" b="1" dirty="0">
+              <a:rPr lang="en-US" sz="1600" b="1" dirty="0">
                 <a:solidFill>
                   <a:schemeClr val="bg2">
-                    <a:lumMod val="75000"/>
+                    <a:lumMod val="50000"/>
                   </a:schemeClr>
                 </a:solidFill>
               </a:rPr>

--- a/assets/python_overview.pptx
+++ b/assets/python_overview.pptx
@@ -266,7 +266,7 @@
           <a:p>
             <a:fld id="{8FC7859C-EBC4-4B3C-82EB-3B2852FCB98A}" type="datetimeFigureOut">
               <a:rPr lang="en-US" smtClean="0"/>
-              <a:t>5/2/2024</a:t>
+              <a:t>5/3/2024</a:t>
             </a:fld>
             <a:endParaRPr lang="en-US"/>
           </a:p>
@@ -466,7 +466,7 @@
           <a:p>
             <a:fld id="{8FC7859C-EBC4-4B3C-82EB-3B2852FCB98A}" type="datetimeFigureOut">
               <a:rPr lang="en-US" smtClean="0"/>
-              <a:t>5/2/2024</a:t>
+              <a:t>5/3/2024</a:t>
             </a:fld>
             <a:endParaRPr lang="en-US"/>
           </a:p>
@@ -676,7 +676,7 @@
           <a:p>
             <a:fld id="{8FC7859C-EBC4-4B3C-82EB-3B2852FCB98A}" type="datetimeFigureOut">
               <a:rPr lang="en-US" smtClean="0"/>
-              <a:t>5/2/2024</a:t>
+              <a:t>5/3/2024</a:t>
             </a:fld>
             <a:endParaRPr lang="en-US"/>
           </a:p>
@@ -876,7 +876,7 @@
           <a:p>
             <a:fld id="{8FC7859C-EBC4-4B3C-82EB-3B2852FCB98A}" type="datetimeFigureOut">
               <a:rPr lang="en-US" smtClean="0"/>
-              <a:t>5/2/2024</a:t>
+              <a:t>5/3/2024</a:t>
             </a:fld>
             <a:endParaRPr lang="en-US"/>
           </a:p>
@@ -1152,7 +1152,7 @@
           <a:p>
             <a:fld id="{8FC7859C-EBC4-4B3C-82EB-3B2852FCB98A}" type="datetimeFigureOut">
               <a:rPr lang="en-US" smtClean="0"/>
-              <a:t>5/2/2024</a:t>
+              <a:t>5/3/2024</a:t>
             </a:fld>
             <a:endParaRPr lang="en-US"/>
           </a:p>
@@ -1420,7 +1420,7 @@
           <a:p>
             <a:fld id="{8FC7859C-EBC4-4B3C-82EB-3B2852FCB98A}" type="datetimeFigureOut">
               <a:rPr lang="en-US" smtClean="0"/>
-              <a:t>5/2/2024</a:t>
+              <a:t>5/3/2024</a:t>
             </a:fld>
             <a:endParaRPr lang="en-US"/>
           </a:p>
@@ -1835,7 +1835,7 @@
           <a:p>
             <a:fld id="{8FC7859C-EBC4-4B3C-82EB-3B2852FCB98A}" type="datetimeFigureOut">
               <a:rPr lang="en-US" smtClean="0"/>
-              <a:t>5/2/2024</a:t>
+              <a:t>5/3/2024</a:t>
             </a:fld>
             <a:endParaRPr lang="en-US"/>
           </a:p>
@@ -1977,7 +1977,7 @@
           <a:p>
             <a:fld id="{8FC7859C-EBC4-4B3C-82EB-3B2852FCB98A}" type="datetimeFigureOut">
               <a:rPr lang="en-US" smtClean="0"/>
-              <a:t>5/2/2024</a:t>
+              <a:t>5/3/2024</a:t>
             </a:fld>
             <a:endParaRPr lang="en-US"/>
           </a:p>
@@ -2090,7 +2090,7 @@
           <a:p>
             <a:fld id="{8FC7859C-EBC4-4B3C-82EB-3B2852FCB98A}" type="datetimeFigureOut">
               <a:rPr lang="en-US" smtClean="0"/>
-              <a:t>5/2/2024</a:t>
+              <a:t>5/3/2024</a:t>
             </a:fld>
             <a:endParaRPr lang="en-US"/>
           </a:p>
@@ -2403,7 +2403,7 @@
           <a:p>
             <a:fld id="{8FC7859C-EBC4-4B3C-82EB-3B2852FCB98A}" type="datetimeFigureOut">
               <a:rPr lang="en-US" smtClean="0"/>
-              <a:t>5/2/2024</a:t>
+              <a:t>5/3/2024</a:t>
             </a:fld>
             <a:endParaRPr lang="en-US"/>
           </a:p>
@@ -2692,7 +2692,7 @@
           <a:p>
             <a:fld id="{8FC7859C-EBC4-4B3C-82EB-3B2852FCB98A}" type="datetimeFigureOut">
               <a:rPr lang="en-US" smtClean="0"/>
-              <a:t>5/2/2024</a:t>
+              <a:t>5/3/2024</a:t>
             </a:fld>
             <a:endParaRPr lang="en-US"/>
           </a:p>
@@ -2935,7 +2935,7 @@
           <a:p>
             <a:fld id="{8FC7859C-EBC4-4B3C-82EB-3B2852FCB98A}" type="datetimeFigureOut">
               <a:rPr lang="en-US" smtClean="0"/>
-              <a:t>5/2/2024</a:t>
+              <a:t>5/3/2024</a:t>
             </a:fld>
             <a:endParaRPr lang="en-US"/>
           </a:p>
@@ -3558,88 +3558,6 @@
           </a:p>
         </p:txBody>
       </p:sp>
-      <p:cxnSp>
-        <p:nvCxnSpPr>
-          <p:cNvPr id="12" name="Gerade Verbindung mit Pfeil 11">
-            <a:extLst>
-              <a:ext uri="{FF2B5EF4-FFF2-40B4-BE49-F238E27FC236}">
-                <a16:creationId xmlns:a16="http://schemas.microsoft.com/office/drawing/2014/main" id="{6F188901-1ED6-CB8E-CD41-6443DF90E852}"/>
-              </a:ext>
-            </a:extLst>
-          </p:cNvPr>
-          <p:cNvCxnSpPr>
-            <a:cxnSpLocks/>
-          </p:cNvCxnSpPr>
-          <p:nvPr/>
-        </p:nvCxnSpPr>
-        <p:spPr>
-          <a:xfrm>
-            <a:off x="6531429" y="5551714"/>
-            <a:ext cx="0" cy="1110343"/>
-          </a:xfrm>
-          <a:prstGeom prst="straightConnector1">
-            <a:avLst/>
-          </a:prstGeom>
-          <a:ln>
-            <a:tailEnd type="triangle"/>
-          </a:ln>
-        </p:spPr>
-        <p:style>
-          <a:lnRef idx="3">
-            <a:schemeClr val="accent5"/>
-          </a:lnRef>
-          <a:fillRef idx="0">
-            <a:schemeClr val="accent5"/>
-          </a:fillRef>
-          <a:effectRef idx="2">
-            <a:schemeClr val="accent5"/>
-          </a:effectRef>
-          <a:fontRef idx="minor">
-            <a:schemeClr val="tx1"/>
-          </a:fontRef>
-        </p:style>
-      </p:cxnSp>
-      <p:cxnSp>
-        <p:nvCxnSpPr>
-          <p:cNvPr id="14" name="Gerade Verbindung mit Pfeil 13">
-            <a:extLst>
-              <a:ext uri="{FF2B5EF4-FFF2-40B4-BE49-F238E27FC236}">
-                <a16:creationId xmlns:a16="http://schemas.microsoft.com/office/drawing/2014/main" id="{896C6A40-7763-C57E-CA05-DAFB8E38AE22}"/>
-              </a:ext>
-            </a:extLst>
-          </p:cNvPr>
-          <p:cNvCxnSpPr>
-            <a:cxnSpLocks/>
-          </p:cNvCxnSpPr>
-          <p:nvPr/>
-        </p:nvCxnSpPr>
-        <p:spPr>
-          <a:xfrm flipV="1">
-            <a:off x="6955971" y="5551713"/>
-            <a:ext cx="0" cy="1110343"/>
-          </a:xfrm>
-          <a:prstGeom prst="straightConnector1">
-            <a:avLst/>
-          </a:prstGeom>
-          <a:ln>
-            <a:tailEnd type="triangle"/>
-          </a:ln>
-        </p:spPr>
-        <p:style>
-          <a:lnRef idx="3">
-            <a:schemeClr val="accent5"/>
-          </a:lnRef>
-          <a:fillRef idx="0">
-            <a:schemeClr val="accent5"/>
-          </a:fillRef>
-          <a:effectRef idx="2">
-            <a:schemeClr val="accent5"/>
-          </a:effectRef>
-          <a:fontRef idx="minor">
-            <a:schemeClr val="tx1"/>
-          </a:fontRef>
-        </p:style>
-      </p:cxnSp>
       <p:sp>
         <p:nvSpPr>
           <p:cNvPr id="18" name="Textfeld 17">
@@ -4621,88 +4539,6 @@
           </a:p>
         </p:txBody>
       </p:sp>
-      <p:cxnSp>
-        <p:nvCxnSpPr>
-          <p:cNvPr id="12" name="Gerade Verbindung mit Pfeil 11">
-            <a:extLst>
-              <a:ext uri="{FF2B5EF4-FFF2-40B4-BE49-F238E27FC236}">
-                <a16:creationId xmlns:a16="http://schemas.microsoft.com/office/drawing/2014/main" id="{6F188901-1ED6-CB8E-CD41-6443DF90E852}"/>
-              </a:ext>
-            </a:extLst>
-          </p:cNvPr>
-          <p:cNvCxnSpPr>
-            <a:cxnSpLocks/>
-          </p:cNvCxnSpPr>
-          <p:nvPr/>
-        </p:nvCxnSpPr>
-        <p:spPr>
-          <a:xfrm>
-            <a:off x="6531429" y="5551714"/>
-            <a:ext cx="0" cy="1110343"/>
-          </a:xfrm>
-          <a:prstGeom prst="straightConnector1">
-            <a:avLst/>
-          </a:prstGeom>
-          <a:ln>
-            <a:tailEnd type="triangle"/>
-          </a:ln>
-        </p:spPr>
-        <p:style>
-          <a:lnRef idx="3">
-            <a:schemeClr val="accent5"/>
-          </a:lnRef>
-          <a:fillRef idx="0">
-            <a:schemeClr val="accent5"/>
-          </a:fillRef>
-          <a:effectRef idx="2">
-            <a:schemeClr val="accent5"/>
-          </a:effectRef>
-          <a:fontRef idx="minor">
-            <a:schemeClr val="tx1"/>
-          </a:fontRef>
-        </p:style>
-      </p:cxnSp>
-      <p:cxnSp>
-        <p:nvCxnSpPr>
-          <p:cNvPr id="14" name="Gerade Verbindung mit Pfeil 13">
-            <a:extLst>
-              <a:ext uri="{FF2B5EF4-FFF2-40B4-BE49-F238E27FC236}">
-                <a16:creationId xmlns:a16="http://schemas.microsoft.com/office/drawing/2014/main" id="{896C6A40-7763-C57E-CA05-DAFB8E38AE22}"/>
-              </a:ext>
-            </a:extLst>
-          </p:cNvPr>
-          <p:cNvCxnSpPr>
-            <a:cxnSpLocks/>
-          </p:cNvCxnSpPr>
-          <p:nvPr/>
-        </p:nvCxnSpPr>
-        <p:spPr>
-          <a:xfrm flipV="1">
-            <a:off x="6955971" y="5551713"/>
-            <a:ext cx="0" cy="1110343"/>
-          </a:xfrm>
-          <a:prstGeom prst="straightConnector1">
-            <a:avLst/>
-          </a:prstGeom>
-          <a:ln>
-            <a:tailEnd type="triangle"/>
-          </a:ln>
-        </p:spPr>
-        <p:style>
-          <a:lnRef idx="3">
-            <a:schemeClr val="accent5"/>
-          </a:lnRef>
-          <a:fillRef idx="0">
-            <a:schemeClr val="accent5"/>
-          </a:fillRef>
-          <a:effectRef idx="2">
-            <a:schemeClr val="accent5"/>
-          </a:effectRef>
-          <a:fontRef idx="minor">
-            <a:schemeClr val="tx1"/>
-          </a:fontRef>
-        </p:style>
-      </p:cxnSp>
       <p:sp>
         <p:nvSpPr>
           <p:cNvPr id="18" name="Textfeld 17">
@@ -5686,88 +5522,6 @@
           </a:p>
         </p:txBody>
       </p:sp>
-      <p:cxnSp>
-        <p:nvCxnSpPr>
-          <p:cNvPr id="12" name="Gerade Verbindung mit Pfeil 11">
-            <a:extLst>
-              <a:ext uri="{FF2B5EF4-FFF2-40B4-BE49-F238E27FC236}">
-                <a16:creationId xmlns:a16="http://schemas.microsoft.com/office/drawing/2014/main" id="{6F188901-1ED6-CB8E-CD41-6443DF90E852}"/>
-              </a:ext>
-            </a:extLst>
-          </p:cNvPr>
-          <p:cNvCxnSpPr>
-            <a:cxnSpLocks/>
-          </p:cNvCxnSpPr>
-          <p:nvPr/>
-        </p:nvCxnSpPr>
-        <p:spPr>
-          <a:xfrm>
-            <a:off x="6531429" y="5551714"/>
-            <a:ext cx="0" cy="1110343"/>
-          </a:xfrm>
-          <a:prstGeom prst="straightConnector1">
-            <a:avLst/>
-          </a:prstGeom>
-          <a:ln>
-            <a:tailEnd type="triangle"/>
-          </a:ln>
-        </p:spPr>
-        <p:style>
-          <a:lnRef idx="3">
-            <a:schemeClr val="accent5"/>
-          </a:lnRef>
-          <a:fillRef idx="0">
-            <a:schemeClr val="accent5"/>
-          </a:fillRef>
-          <a:effectRef idx="2">
-            <a:schemeClr val="accent5"/>
-          </a:effectRef>
-          <a:fontRef idx="minor">
-            <a:schemeClr val="tx1"/>
-          </a:fontRef>
-        </p:style>
-      </p:cxnSp>
-      <p:cxnSp>
-        <p:nvCxnSpPr>
-          <p:cNvPr id="14" name="Gerade Verbindung mit Pfeil 13">
-            <a:extLst>
-              <a:ext uri="{FF2B5EF4-FFF2-40B4-BE49-F238E27FC236}">
-                <a16:creationId xmlns:a16="http://schemas.microsoft.com/office/drawing/2014/main" id="{896C6A40-7763-C57E-CA05-DAFB8E38AE22}"/>
-              </a:ext>
-            </a:extLst>
-          </p:cNvPr>
-          <p:cNvCxnSpPr>
-            <a:cxnSpLocks/>
-          </p:cNvCxnSpPr>
-          <p:nvPr/>
-        </p:nvCxnSpPr>
-        <p:spPr>
-          <a:xfrm flipV="1">
-            <a:off x="6955971" y="5551713"/>
-            <a:ext cx="0" cy="1110343"/>
-          </a:xfrm>
-          <a:prstGeom prst="straightConnector1">
-            <a:avLst/>
-          </a:prstGeom>
-          <a:ln>
-            <a:tailEnd type="triangle"/>
-          </a:ln>
-        </p:spPr>
-        <p:style>
-          <a:lnRef idx="3">
-            <a:schemeClr val="accent5"/>
-          </a:lnRef>
-          <a:fillRef idx="0">
-            <a:schemeClr val="accent5"/>
-          </a:fillRef>
-          <a:effectRef idx="2">
-            <a:schemeClr val="accent5"/>
-          </a:effectRef>
-          <a:fontRef idx="minor">
-            <a:schemeClr val="tx1"/>
-          </a:fontRef>
-        </p:style>
-      </p:cxnSp>
       <p:sp>
         <p:nvSpPr>
           <p:cNvPr id="18" name="Textfeld 17">
@@ -6753,88 +6507,6 @@
           </a:p>
         </p:txBody>
       </p:sp>
-      <p:cxnSp>
-        <p:nvCxnSpPr>
-          <p:cNvPr id="12" name="Gerade Verbindung mit Pfeil 11">
-            <a:extLst>
-              <a:ext uri="{FF2B5EF4-FFF2-40B4-BE49-F238E27FC236}">
-                <a16:creationId xmlns:a16="http://schemas.microsoft.com/office/drawing/2014/main" id="{6F188901-1ED6-CB8E-CD41-6443DF90E852}"/>
-              </a:ext>
-            </a:extLst>
-          </p:cNvPr>
-          <p:cNvCxnSpPr>
-            <a:cxnSpLocks/>
-          </p:cNvCxnSpPr>
-          <p:nvPr/>
-        </p:nvCxnSpPr>
-        <p:spPr>
-          <a:xfrm>
-            <a:off x="6531429" y="5551714"/>
-            <a:ext cx="0" cy="1110343"/>
-          </a:xfrm>
-          <a:prstGeom prst="straightConnector1">
-            <a:avLst/>
-          </a:prstGeom>
-          <a:ln>
-            <a:tailEnd type="triangle"/>
-          </a:ln>
-        </p:spPr>
-        <p:style>
-          <a:lnRef idx="3">
-            <a:schemeClr val="accent5"/>
-          </a:lnRef>
-          <a:fillRef idx="0">
-            <a:schemeClr val="accent5"/>
-          </a:fillRef>
-          <a:effectRef idx="2">
-            <a:schemeClr val="accent5"/>
-          </a:effectRef>
-          <a:fontRef idx="minor">
-            <a:schemeClr val="tx1"/>
-          </a:fontRef>
-        </p:style>
-      </p:cxnSp>
-      <p:cxnSp>
-        <p:nvCxnSpPr>
-          <p:cNvPr id="14" name="Gerade Verbindung mit Pfeil 13">
-            <a:extLst>
-              <a:ext uri="{FF2B5EF4-FFF2-40B4-BE49-F238E27FC236}">
-                <a16:creationId xmlns:a16="http://schemas.microsoft.com/office/drawing/2014/main" id="{896C6A40-7763-C57E-CA05-DAFB8E38AE22}"/>
-              </a:ext>
-            </a:extLst>
-          </p:cNvPr>
-          <p:cNvCxnSpPr>
-            <a:cxnSpLocks/>
-          </p:cNvCxnSpPr>
-          <p:nvPr/>
-        </p:nvCxnSpPr>
-        <p:spPr>
-          <a:xfrm flipV="1">
-            <a:off x="6955971" y="5551713"/>
-            <a:ext cx="0" cy="1110343"/>
-          </a:xfrm>
-          <a:prstGeom prst="straightConnector1">
-            <a:avLst/>
-          </a:prstGeom>
-          <a:ln>
-            <a:tailEnd type="triangle"/>
-          </a:ln>
-        </p:spPr>
-        <p:style>
-          <a:lnRef idx="3">
-            <a:schemeClr val="accent5"/>
-          </a:lnRef>
-          <a:fillRef idx="0">
-            <a:schemeClr val="accent5"/>
-          </a:fillRef>
-          <a:effectRef idx="2">
-            <a:schemeClr val="accent5"/>
-          </a:effectRef>
-          <a:fontRef idx="minor">
-            <a:schemeClr val="tx1"/>
-          </a:fontRef>
-        </p:style>
-      </p:cxnSp>
       <p:sp>
         <p:nvSpPr>
           <p:cNvPr id="18" name="Textfeld 17">
@@ -7822,98 +7494,6 @@
           </a:p>
         </p:txBody>
       </p:sp>
-      <p:cxnSp>
-        <p:nvCxnSpPr>
-          <p:cNvPr id="12" name="Gerade Verbindung mit Pfeil 11">
-            <a:extLst>
-              <a:ext uri="{FF2B5EF4-FFF2-40B4-BE49-F238E27FC236}">
-                <a16:creationId xmlns:a16="http://schemas.microsoft.com/office/drawing/2014/main" id="{6F188901-1ED6-CB8E-CD41-6443DF90E852}"/>
-              </a:ext>
-            </a:extLst>
-          </p:cNvPr>
-          <p:cNvCxnSpPr>
-            <a:cxnSpLocks/>
-          </p:cNvCxnSpPr>
-          <p:nvPr/>
-        </p:nvCxnSpPr>
-        <p:spPr>
-          <a:xfrm>
-            <a:off x="6531429" y="5551714"/>
-            <a:ext cx="0" cy="1110343"/>
-          </a:xfrm>
-          <a:prstGeom prst="straightConnector1">
-            <a:avLst/>
-          </a:prstGeom>
-          <a:ln>
-            <a:solidFill>
-              <a:schemeClr val="bg2">
-                <a:lumMod val="50000"/>
-              </a:schemeClr>
-            </a:solidFill>
-            <a:tailEnd type="triangle"/>
-          </a:ln>
-        </p:spPr>
-        <p:style>
-          <a:lnRef idx="3">
-            <a:schemeClr val="accent5"/>
-          </a:lnRef>
-          <a:fillRef idx="0">
-            <a:schemeClr val="accent5"/>
-          </a:fillRef>
-          <a:effectRef idx="2">
-            <a:schemeClr val="accent5"/>
-          </a:effectRef>
-          <a:fontRef idx="minor">
-            <a:schemeClr val="tx1"/>
-          </a:fontRef>
-        </p:style>
-      </p:cxnSp>
-      <p:cxnSp>
-        <p:nvCxnSpPr>
-          <p:cNvPr id="14" name="Gerade Verbindung mit Pfeil 13">
-            <a:extLst>
-              <a:ext uri="{FF2B5EF4-FFF2-40B4-BE49-F238E27FC236}">
-                <a16:creationId xmlns:a16="http://schemas.microsoft.com/office/drawing/2014/main" id="{896C6A40-7763-C57E-CA05-DAFB8E38AE22}"/>
-              </a:ext>
-            </a:extLst>
-          </p:cNvPr>
-          <p:cNvCxnSpPr>
-            <a:cxnSpLocks/>
-          </p:cNvCxnSpPr>
-          <p:nvPr/>
-        </p:nvCxnSpPr>
-        <p:spPr>
-          <a:xfrm flipV="1">
-            <a:off x="6955971" y="5551713"/>
-            <a:ext cx="0" cy="1110343"/>
-          </a:xfrm>
-          <a:prstGeom prst="straightConnector1">
-            <a:avLst/>
-          </a:prstGeom>
-          <a:ln>
-            <a:solidFill>
-              <a:schemeClr val="bg2">
-                <a:lumMod val="50000"/>
-              </a:schemeClr>
-            </a:solidFill>
-            <a:tailEnd type="triangle"/>
-          </a:ln>
-        </p:spPr>
-        <p:style>
-          <a:lnRef idx="3">
-            <a:schemeClr val="accent5"/>
-          </a:lnRef>
-          <a:fillRef idx="0">
-            <a:schemeClr val="accent5"/>
-          </a:fillRef>
-          <a:effectRef idx="2">
-            <a:schemeClr val="accent5"/>
-          </a:effectRef>
-          <a:fontRef idx="minor">
-            <a:schemeClr val="tx1"/>
-          </a:fontRef>
-        </p:style>
-      </p:cxnSp>
       <p:sp>
         <p:nvSpPr>
           <p:cNvPr id="18" name="Textfeld 17">
@@ -8905,98 +8485,6 @@
           </a:p>
         </p:txBody>
       </p:sp>
-      <p:cxnSp>
-        <p:nvCxnSpPr>
-          <p:cNvPr id="12" name="Gerade Verbindung mit Pfeil 11">
-            <a:extLst>
-              <a:ext uri="{FF2B5EF4-FFF2-40B4-BE49-F238E27FC236}">
-                <a16:creationId xmlns:a16="http://schemas.microsoft.com/office/drawing/2014/main" id="{6F188901-1ED6-CB8E-CD41-6443DF90E852}"/>
-              </a:ext>
-            </a:extLst>
-          </p:cNvPr>
-          <p:cNvCxnSpPr>
-            <a:cxnSpLocks/>
-          </p:cNvCxnSpPr>
-          <p:nvPr/>
-        </p:nvCxnSpPr>
-        <p:spPr>
-          <a:xfrm>
-            <a:off x="6531429" y="5551714"/>
-            <a:ext cx="0" cy="1110343"/>
-          </a:xfrm>
-          <a:prstGeom prst="straightConnector1">
-            <a:avLst/>
-          </a:prstGeom>
-          <a:ln>
-            <a:solidFill>
-              <a:schemeClr val="bg2">
-                <a:lumMod val="50000"/>
-              </a:schemeClr>
-            </a:solidFill>
-            <a:tailEnd type="triangle"/>
-          </a:ln>
-        </p:spPr>
-        <p:style>
-          <a:lnRef idx="3">
-            <a:schemeClr val="accent5"/>
-          </a:lnRef>
-          <a:fillRef idx="0">
-            <a:schemeClr val="accent5"/>
-          </a:fillRef>
-          <a:effectRef idx="2">
-            <a:schemeClr val="accent5"/>
-          </a:effectRef>
-          <a:fontRef idx="minor">
-            <a:schemeClr val="tx1"/>
-          </a:fontRef>
-        </p:style>
-      </p:cxnSp>
-      <p:cxnSp>
-        <p:nvCxnSpPr>
-          <p:cNvPr id="14" name="Gerade Verbindung mit Pfeil 13">
-            <a:extLst>
-              <a:ext uri="{FF2B5EF4-FFF2-40B4-BE49-F238E27FC236}">
-                <a16:creationId xmlns:a16="http://schemas.microsoft.com/office/drawing/2014/main" id="{896C6A40-7763-C57E-CA05-DAFB8E38AE22}"/>
-              </a:ext>
-            </a:extLst>
-          </p:cNvPr>
-          <p:cNvCxnSpPr>
-            <a:cxnSpLocks/>
-          </p:cNvCxnSpPr>
-          <p:nvPr/>
-        </p:nvCxnSpPr>
-        <p:spPr>
-          <a:xfrm flipV="1">
-            <a:off x="6955971" y="5551713"/>
-            <a:ext cx="0" cy="1110343"/>
-          </a:xfrm>
-          <a:prstGeom prst="straightConnector1">
-            <a:avLst/>
-          </a:prstGeom>
-          <a:ln>
-            <a:solidFill>
-              <a:schemeClr val="bg2">
-                <a:lumMod val="50000"/>
-              </a:schemeClr>
-            </a:solidFill>
-            <a:tailEnd type="triangle"/>
-          </a:ln>
-        </p:spPr>
-        <p:style>
-          <a:lnRef idx="3">
-            <a:schemeClr val="accent5"/>
-          </a:lnRef>
-          <a:fillRef idx="0">
-            <a:schemeClr val="accent5"/>
-          </a:fillRef>
-          <a:effectRef idx="2">
-            <a:schemeClr val="accent5"/>
-          </a:effectRef>
-          <a:fontRef idx="minor">
-            <a:schemeClr val="tx1"/>
-          </a:fontRef>
-        </p:style>
-      </p:cxnSp>
       <p:sp>
         <p:nvSpPr>
           <p:cNvPr id="18" name="Textfeld 17">
